--- a/Vocabulary.pptx
+++ b/Vocabulary.pptx
@@ -104,6 +104,11 @@
       </a:defRPr>
     </a:lvl9pPr>
   </p:defaultTextStyle>
+  <p:extLst>
+    <p:ext uri="{EFAFB233-063F-42B5-8137-9DF3F51BA10A}">
+      <p15:sldGuideLst xmlns:p15="http://schemas.microsoft.com/office/powerpoint/2012/main"/>
+    </p:ext>
+  </p:extLst>
 </p:presentation>
 </file>
 
@@ -152,7 +157,6 @@
               <a:rPr lang="en-US"/>
               <a:t>Click to edit Master title style</a:t>
             </a:r>
-            <a:endParaRPr lang="en-US"/>
           </a:p>
         </p:txBody>
       </p:sp>
@@ -217,7 +221,6 @@
               <a:rPr lang="en-US"/>
               <a:t>Click to edit Master subtitle style</a:t>
             </a:r>
-            <a:endParaRPr lang="en-US"/>
           </a:p>
         </p:txBody>
       </p:sp>
@@ -238,7 +241,7 @@
           <a:p>
             <a:fld id="{0A04B4C5-8CA8-4B53-82C6-B63AB122C884}" type="datetimeFigureOut">
               <a:rPr lang="en-US" smtClean="0"/>
-              <a:t>10/18/2016</a:t>
+              <a:t>10/20/2016</a:t>
             </a:fld>
             <a:endParaRPr lang="en-US"/>
           </a:p>
@@ -335,7 +338,6 @@
               <a:rPr lang="en-US"/>
               <a:t>Click to edit Master title style</a:t>
             </a:r>
-            <a:endParaRPr lang="en-US"/>
           </a:p>
         </p:txBody>
       </p:sp>
@@ -387,7 +389,6 @@
               <a:rPr lang="en-US"/>
               <a:t>Fifth level</a:t>
             </a:r>
-            <a:endParaRPr lang="en-US"/>
           </a:p>
         </p:txBody>
       </p:sp>
@@ -408,7 +409,7 @@
           <a:p>
             <a:fld id="{0A04B4C5-8CA8-4B53-82C6-B63AB122C884}" type="datetimeFigureOut">
               <a:rPr lang="en-US" smtClean="0"/>
-              <a:t>10/18/2016</a:t>
+              <a:t>10/20/2016</a:t>
             </a:fld>
             <a:endParaRPr lang="en-US"/>
           </a:p>
@@ -510,7 +511,6 @@
               <a:rPr lang="en-US"/>
               <a:t>Click to edit Master title style</a:t>
             </a:r>
-            <a:endParaRPr lang="en-US"/>
           </a:p>
         </p:txBody>
       </p:sp>
@@ -567,7 +567,6 @@
               <a:rPr lang="en-US"/>
               <a:t>Fifth level</a:t>
             </a:r>
-            <a:endParaRPr lang="en-US"/>
           </a:p>
         </p:txBody>
       </p:sp>
@@ -588,7 +587,7 @@
           <a:p>
             <a:fld id="{0A04B4C5-8CA8-4B53-82C6-B63AB122C884}" type="datetimeFigureOut">
               <a:rPr lang="en-US" smtClean="0"/>
-              <a:t>10/18/2016</a:t>
+              <a:t>10/20/2016</a:t>
             </a:fld>
             <a:endParaRPr lang="en-US"/>
           </a:p>
@@ -685,7 +684,6 @@
               <a:rPr lang="en-US"/>
               <a:t>Click to edit Master title style</a:t>
             </a:r>
-            <a:endParaRPr lang="en-US"/>
           </a:p>
         </p:txBody>
       </p:sp>
@@ -737,7 +735,6 @@
               <a:rPr lang="en-US"/>
               <a:t>Fifth level</a:t>
             </a:r>
-            <a:endParaRPr lang="en-US"/>
           </a:p>
         </p:txBody>
       </p:sp>
@@ -758,7 +755,7 @@
           <a:p>
             <a:fld id="{0A04B4C5-8CA8-4B53-82C6-B63AB122C884}" type="datetimeFigureOut">
               <a:rPr lang="en-US" smtClean="0"/>
-              <a:t>10/18/2016</a:t>
+              <a:t>10/20/2016</a:t>
             </a:fld>
             <a:endParaRPr lang="en-US"/>
           </a:p>
@@ -864,7 +861,6 @@
               <a:rPr lang="en-US"/>
               <a:t>Click to edit Master title style</a:t>
             </a:r>
-            <a:endParaRPr lang="en-US"/>
           </a:p>
         </p:txBody>
       </p:sp>
@@ -1004,7 +1000,7 @@
           <a:p>
             <a:fld id="{0A04B4C5-8CA8-4B53-82C6-B63AB122C884}" type="datetimeFigureOut">
               <a:rPr lang="en-US" smtClean="0"/>
-              <a:t>10/18/2016</a:t>
+              <a:t>10/20/2016</a:t>
             </a:fld>
             <a:endParaRPr lang="en-US"/>
           </a:p>
@@ -1101,7 +1097,6 @@
               <a:rPr lang="en-US"/>
               <a:t>Click to edit Master title style</a:t>
             </a:r>
-            <a:endParaRPr lang="en-US"/>
           </a:p>
         </p:txBody>
       </p:sp>
@@ -1158,7 +1153,6 @@
               <a:rPr lang="en-US"/>
               <a:t>Fifth level</a:t>
             </a:r>
-            <a:endParaRPr lang="en-US"/>
           </a:p>
         </p:txBody>
       </p:sp>
@@ -1215,7 +1209,6 @@
               <a:rPr lang="en-US"/>
               <a:t>Fifth level</a:t>
             </a:r>
-            <a:endParaRPr lang="en-US"/>
           </a:p>
         </p:txBody>
       </p:sp>
@@ -1236,7 +1229,7 @@
           <a:p>
             <a:fld id="{0A04B4C5-8CA8-4B53-82C6-B63AB122C884}" type="datetimeFigureOut">
               <a:rPr lang="en-US" smtClean="0"/>
-              <a:t>10/18/2016</a:t>
+              <a:t>10/20/2016</a:t>
             </a:fld>
             <a:endParaRPr lang="en-US"/>
           </a:p>
@@ -1338,7 +1331,6 @@
               <a:rPr lang="en-US"/>
               <a:t>Click to edit Master title style</a:t>
             </a:r>
-            <a:endParaRPr lang="en-US"/>
           </a:p>
         </p:txBody>
       </p:sp>
@@ -1460,7 +1452,6 @@
               <a:rPr lang="en-US"/>
               <a:t>Fifth level</a:t>
             </a:r>
-            <a:endParaRPr lang="en-US"/>
           </a:p>
         </p:txBody>
       </p:sp>
@@ -1582,7 +1573,6 @@
               <a:rPr lang="en-US"/>
               <a:t>Fifth level</a:t>
             </a:r>
-            <a:endParaRPr lang="en-US"/>
           </a:p>
         </p:txBody>
       </p:sp>
@@ -1603,7 +1593,7 @@
           <a:p>
             <a:fld id="{0A04B4C5-8CA8-4B53-82C6-B63AB122C884}" type="datetimeFigureOut">
               <a:rPr lang="en-US" smtClean="0"/>
-              <a:t>10/18/2016</a:t>
+              <a:t>10/20/2016</a:t>
             </a:fld>
             <a:endParaRPr lang="en-US"/>
           </a:p>
@@ -1700,7 +1690,6 @@
               <a:rPr lang="en-US"/>
               <a:t>Click to edit Master title style</a:t>
             </a:r>
-            <a:endParaRPr lang="en-US"/>
           </a:p>
         </p:txBody>
       </p:sp>
@@ -1721,7 +1710,7 @@
           <a:p>
             <a:fld id="{0A04B4C5-8CA8-4B53-82C6-B63AB122C884}" type="datetimeFigureOut">
               <a:rPr lang="en-US" smtClean="0"/>
-              <a:t>10/18/2016</a:t>
+              <a:t>10/20/2016</a:t>
             </a:fld>
             <a:endParaRPr lang="en-US"/>
           </a:p>
@@ -1816,7 +1805,7 @@
           <a:p>
             <a:fld id="{0A04B4C5-8CA8-4B53-82C6-B63AB122C884}" type="datetimeFigureOut">
               <a:rPr lang="en-US" smtClean="0"/>
-              <a:t>10/18/2016</a:t>
+              <a:t>10/20/2016</a:t>
             </a:fld>
             <a:endParaRPr lang="en-US"/>
           </a:p>
@@ -1922,7 +1911,6 @@
               <a:rPr lang="en-US"/>
               <a:t>Click to edit Master title style</a:t>
             </a:r>
-            <a:endParaRPr lang="en-US"/>
           </a:p>
         </p:txBody>
       </p:sp>
@@ -2007,7 +1995,6 @@
               <a:rPr lang="en-US"/>
               <a:t>Fifth level</a:t>
             </a:r>
-            <a:endParaRPr lang="en-US"/>
           </a:p>
         </p:txBody>
       </p:sp>
@@ -2093,7 +2080,7 @@
           <a:p>
             <a:fld id="{0A04B4C5-8CA8-4B53-82C6-B63AB122C884}" type="datetimeFigureOut">
               <a:rPr lang="en-US" smtClean="0"/>
-              <a:t>10/18/2016</a:t>
+              <a:t>10/20/2016</a:t>
             </a:fld>
             <a:endParaRPr lang="en-US"/>
           </a:p>
@@ -2199,7 +2186,6 @@
               <a:rPr lang="en-US"/>
               <a:t>Click to edit Master title style</a:t>
             </a:r>
-            <a:endParaRPr lang="en-US"/>
           </a:p>
         </p:txBody>
       </p:sp>
@@ -2346,7 +2332,7 @@
           <a:p>
             <a:fld id="{0A04B4C5-8CA8-4B53-82C6-B63AB122C884}" type="datetimeFigureOut">
               <a:rPr lang="en-US" smtClean="0"/>
-              <a:t>10/18/2016</a:t>
+              <a:t>10/20/2016</a:t>
             </a:fld>
             <a:endParaRPr lang="en-US"/>
           </a:p>
@@ -2458,7 +2444,6 @@
               <a:rPr lang="en-US"/>
               <a:t>Click to edit Master title style</a:t>
             </a:r>
-            <a:endParaRPr lang="en-US"/>
           </a:p>
         </p:txBody>
       </p:sp>
@@ -2520,7 +2505,6 @@
               <a:rPr lang="en-US"/>
               <a:t>Fifth level</a:t>
             </a:r>
-            <a:endParaRPr lang="en-US"/>
           </a:p>
         </p:txBody>
       </p:sp>
@@ -2559,7 +2543,7 @@
           <a:p>
             <a:fld id="{0A04B4C5-8CA8-4B53-82C6-B63AB122C884}" type="datetimeFigureOut">
               <a:rPr lang="en-US" smtClean="0"/>
-              <a:t>10/18/2016</a:t>
+              <a:t>10/20/2016</a:t>
             </a:fld>
             <a:endParaRPr lang="en-US"/>
           </a:p>
@@ -3013,8 +2997,8 @@
         </p:nvSpPr>
         <p:spPr>
           <a:xfrm>
-            <a:off x="3425687" y="4301340"/>
-            <a:ext cx="5340626" cy="923330"/>
+            <a:off x="1866840" y="4203605"/>
+            <a:ext cx="8657112" cy="923330"/>
           </a:xfrm>
           <a:prstGeom prst="rect">
             <a:avLst/>
@@ -3042,7 +3026,7 @@
                   </a:outerShdw>
                 </a:effectLst>
               </a:rPr>
-              <a:t>hallway</a:t>
+              <a:t>Lines are painted on the road</a:t>
             </a:r>
             <a:endParaRPr lang="en-US" sz="5400" b="0" cap="none" spc="0" dirty="0">
               <a:ln w="0"/>
@@ -3068,8 +3052,8 @@
         </p:nvSpPr>
         <p:spPr>
           <a:xfrm>
-            <a:off x="490330" y="5500662"/>
-            <a:ext cx="11211340" cy="923330"/>
+            <a:off x="0" y="5500662"/>
+            <a:ext cx="12192000" cy="923330"/>
           </a:xfrm>
           <a:prstGeom prst="rect">
             <a:avLst/>
@@ -3099,14 +3083,14 @@
                   </a:outerShdw>
                 </a:effectLst>
               </a:rPr>
-              <a:t>he is standing in the hallway</a:t>
+              <a:t>Lines are being painted on the road</a:t>
             </a:r>
           </a:p>
         </p:txBody>
       </p:sp>
       <p:pic>
         <p:nvPicPr>
-          <p:cNvPr id="13" name="Picture 12"/>
+          <p:cNvPr id="14" name="Picture 13"/>
           <p:cNvPicPr>
             <a:picLocks noChangeAspect="1"/>
           </p:cNvPicPr>
@@ -3126,8 +3110,8 @@
         </p:blipFill>
         <p:spPr>
           <a:xfrm>
-            <a:off x="4975057" y="833749"/>
-            <a:ext cx="2440678" cy="2440678"/>
+            <a:off x="3810000" y="523992"/>
+            <a:ext cx="4572000" cy="3060192"/>
           </a:xfrm>
           <a:prstGeom prst="rect">
             <a:avLst/>
